--- a/Java Урок 16 ООП. Перерахування. Вкладені класи.pptx
+++ b/Java Урок 16 ООП. Перерахування. Вкладені класи.pptx
@@ -211,7 +211,7 @@
           <a:p>
             <a:fld id="{5C4D2F2B-D9A5-4006-8636-0D7227425F12}" type="datetimeFigureOut">
               <a:rPr lang="uk-UA" smtClean="0"/>
-              <a:t>24.12.2023</a:t>
+              <a:t>25.12.2023</a:t>
             </a:fld>
             <a:endParaRPr lang="uk-UA"/>
           </a:p>
@@ -713,7 +713,7 @@
           <a:p>
             <a:fld id="{86815C14-2D1E-4708-9F6B-065B17CFE46D}" type="datetimeFigureOut">
               <a:rPr lang="uk-UA" smtClean="0"/>
-              <a:t>24.12.2023</a:t>
+              <a:t>25.12.2023</a:t>
             </a:fld>
             <a:endParaRPr lang="uk-UA"/>
           </a:p>
@@ -913,7 +913,7 @@
           <a:p>
             <a:fld id="{86815C14-2D1E-4708-9F6B-065B17CFE46D}" type="datetimeFigureOut">
               <a:rPr lang="uk-UA" smtClean="0"/>
-              <a:t>24.12.2023</a:t>
+              <a:t>25.12.2023</a:t>
             </a:fld>
             <a:endParaRPr lang="uk-UA"/>
           </a:p>
@@ -1123,7 +1123,7 @@
           <a:p>
             <a:fld id="{86815C14-2D1E-4708-9F6B-065B17CFE46D}" type="datetimeFigureOut">
               <a:rPr lang="uk-UA" smtClean="0"/>
-              <a:t>24.12.2023</a:t>
+              <a:t>25.12.2023</a:t>
             </a:fld>
             <a:endParaRPr lang="uk-UA"/>
           </a:p>
@@ -1446,7 +1446,7 @@
           <a:p>
             <a:fld id="{86815C14-2D1E-4708-9F6B-065B17CFE46D}" type="datetimeFigureOut">
               <a:rPr lang="uk-UA" smtClean="0"/>
-              <a:t>24.12.2023</a:t>
+              <a:t>25.12.2023</a:t>
             </a:fld>
             <a:endParaRPr lang="uk-UA"/>
           </a:p>
@@ -1722,7 +1722,7 @@
           <a:p>
             <a:fld id="{86815C14-2D1E-4708-9F6B-065B17CFE46D}" type="datetimeFigureOut">
               <a:rPr lang="uk-UA" smtClean="0"/>
-              <a:t>24.12.2023</a:t>
+              <a:t>25.12.2023</a:t>
             </a:fld>
             <a:endParaRPr lang="uk-UA"/>
           </a:p>
@@ -1990,7 +1990,7 @@
           <a:p>
             <a:fld id="{86815C14-2D1E-4708-9F6B-065B17CFE46D}" type="datetimeFigureOut">
               <a:rPr lang="uk-UA" smtClean="0"/>
-              <a:t>24.12.2023</a:t>
+              <a:t>25.12.2023</a:t>
             </a:fld>
             <a:endParaRPr lang="uk-UA"/>
           </a:p>
@@ -2405,7 +2405,7 @@
           <a:p>
             <a:fld id="{86815C14-2D1E-4708-9F6B-065B17CFE46D}" type="datetimeFigureOut">
               <a:rPr lang="uk-UA" smtClean="0"/>
-              <a:t>24.12.2023</a:t>
+              <a:t>25.12.2023</a:t>
             </a:fld>
             <a:endParaRPr lang="uk-UA"/>
           </a:p>
@@ -2547,7 +2547,7 @@
           <a:p>
             <a:fld id="{86815C14-2D1E-4708-9F6B-065B17CFE46D}" type="datetimeFigureOut">
               <a:rPr lang="uk-UA" smtClean="0"/>
-              <a:t>24.12.2023</a:t>
+              <a:t>25.12.2023</a:t>
             </a:fld>
             <a:endParaRPr lang="uk-UA"/>
           </a:p>
@@ -2660,7 +2660,7 @@
           <a:p>
             <a:fld id="{86815C14-2D1E-4708-9F6B-065B17CFE46D}" type="datetimeFigureOut">
               <a:rPr lang="uk-UA" smtClean="0"/>
-              <a:t>24.12.2023</a:t>
+              <a:t>25.12.2023</a:t>
             </a:fld>
             <a:endParaRPr lang="uk-UA"/>
           </a:p>
@@ -2973,7 +2973,7 @@
           <a:p>
             <a:fld id="{86815C14-2D1E-4708-9F6B-065B17CFE46D}" type="datetimeFigureOut">
               <a:rPr lang="uk-UA" smtClean="0"/>
-              <a:t>24.12.2023</a:t>
+              <a:t>25.12.2023</a:t>
             </a:fld>
             <a:endParaRPr lang="uk-UA"/>
           </a:p>
@@ -3262,7 +3262,7 @@
           <a:p>
             <a:fld id="{86815C14-2D1E-4708-9F6B-065B17CFE46D}" type="datetimeFigureOut">
               <a:rPr lang="uk-UA" smtClean="0"/>
-              <a:t>24.12.2023</a:t>
+              <a:t>25.12.2023</a:t>
             </a:fld>
             <a:endParaRPr lang="uk-UA"/>
           </a:p>
@@ -3505,7 +3505,7 @@
           <a:p>
             <a:fld id="{86815C14-2D1E-4708-9F6B-065B17CFE46D}" type="datetimeFigureOut">
               <a:rPr lang="uk-UA" smtClean="0"/>
-              <a:t>24.12.2023</a:t>
+              <a:t>25.12.2023</a:t>
             </a:fld>
             <a:endParaRPr lang="uk-UA"/>
           </a:p>
@@ -4286,7 +4286,7 @@
           <a:graphicData uri="http://schemas.openxmlformats.org/presentationml/2006/ole">
             <mc:AlternateContent xmlns:mc="http://schemas.openxmlformats.org/markup-compatibility/2006">
               <mc:Choice xmlns:v="urn:schemas-microsoft-com:vml" Requires="v">
-                <p:oleObj spid="_x0000_s5167" name="Visio" r:id="rId3" imgW="2878919" imgH="2072550" progId="Visio.Drawing.11">
+                <p:oleObj spid="_x0000_s5170" name="Visio" r:id="rId3" imgW="2878919" imgH="2072550" progId="Visio.Drawing.11">
                   <p:embed/>
                 </p:oleObj>
               </mc:Choice>
@@ -4556,7 +4556,7 @@
           <a:graphicData uri="http://schemas.openxmlformats.org/presentationml/2006/ole">
             <mc:AlternateContent xmlns:mc="http://schemas.openxmlformats.org/markup-compatibility/2006">
               <mc:Choice xmlns:v="urn:schemas-microsoft-com:vml" Requires="v">
-                <p:oleObj spid="_x0000_s5168" name="Visio" r:id="rId5" imgW="360641" imgH="505046" progId="Visio.Drawing.11">
+                <p:oleObj spid="_x0000_s5171" name="Visio" r:id="rId5" imgW="360641" imgH="505046" progId="Visio.Drawing.11">
                   <p:embed/>
                 </p:oleObj>
               </mc:Choice>
@@ -4639,7 +4639,7 @@
           <a:graphicData uri="http://schemas.openxmlformats.org/presentationml/2006/ole">
             <mc:AlternateContent xmlns:mc="http://schemas.openxmlformats.org/markup-compatibility/2006">
               <mc:Choice xmlns:v="urn:schemas-microsoft-com:vml" Requires="v">
-                <p:oleObj spid="_x0000_s5169" name="Visio" r:id="rId7" imgW="4723425" imgH="1736753" progId="Visio.Drawing.11">
+                <p:oleObj spid="_x0000_s5172" name="Visio" r:id="rId7" imgW="4723425" imgH="1736753" progId="Visio.Drawing.11">
                   <p:embed/>
                 </p:oleObj>
               </mc:Choice>
@@ -5013,7 +5013,7 @@
           <a:graphicData uri="http://schemas.openxmlformats.org/presentationml/2006/ole">
             <mc:AlternateContent xmlns:mc="http://schemas.openxmlformats.org/markup-compatibility/2006">
               <mc:Choice xmlns:v="urn:schemas-microsoft-com:vml" Requires="v">
-                <p:oleObj spid="_x0000_s6161" name="Visio" r:id="rId3" imgW="4136574" imgH="3587687" progId="Visio.Drawing.11">
+                <p:oleObj spid="_x0000_s6162" name="Visio" r:id="rId3" imgW="4136574" imgH="3587687" progId="Visio.Drawing.11">
                   <p:embed/>
                 </p:oleObj>
               </mc:Choice>
@@ -5332,7 +5332,7 @@
           <a:graphicData uri="http://schemas.openxmlformats.org/presentationml/2006/ole">
             <mc:AlternateContent xmlns:mc="http://schemas.openxmlformats.org/markup-compatibility/2006">
               <mc:Choice xmlns:v="urn:schemas-microsoft-com:vml" Requires="v">
-                <p:oleObj spid="_x0000_s7185" name="Visio" r:id="rId3" imgW="4807107" imgH="3753156" progId="Visio.Drawing.11">
+                <p:oleObj spid="_x0000_s7186" name="Visio" r:id="rId3" imgW="4807107" imgH="3753156" progId="Visio.Drawing.11">
                   <p:embed/>
                 </p:oleObj>
               </mc:Choice>
@@ -6152,7 +6152,7 @@
           <a:graphicData uri="http://schemas.openxmlformats.org/presentationml/2006/ole">
             <mc:AlternateContent xmlns:mc="http://schemas.openxmlformats.org/markup-compatibility/2006">
               <mc:Choice xmlns:v="urn:schemas-microsoft-com:vml" Requires="v">
-                <p:oleObj spid="_x0000_s1041" name="Visio" r:id="rId3" imgW="3579956" imgH="720723" progId="Visio.Drawing.11">
+                <p:oleObj spid="_x0000_s1042" name="Visio" r:id="rId3" imgW="3579956" imgH="720723" progId="Visio.Drawing.11">
                   <p:embed/>
                 </p:oleObj>
               </mc:Choice>
@@ -6641,7 +6641,7 @@
           <a:graphicData uri="http://schemas.openxmlformats.org/presentationml/2006/ole">
             <mc:AlternateContent xmlns:mc="http://schemas.openxmlformats.org/markup-compatibility/2006">
               <mc:Choice xmlns:v="urn:schemas-microsoft-com:vml" Requires="v">
-                <p:oleObj spid="_x0000_s2080" name="Visio" r:id="rId4" imgW="5629322" imgH="3171752" progId="Visio.Drawing.11">
+                <p:oleObj spid="_x0000_s2082" name="Visio" r:id="rId4" imgW="5629322" imgH="3171752" progId="Visio.Drawing.11">
                   <p:embed/>
                 </p:oleObj>
               </mc:Choice>
@@ -6905,7 +6905,7 @@
           <a:graphicData uri="http://schemas.openxmlformats.org/presentationml/2006/ole">
             <mc:AlternateContent xmlns:mc="http://schemas.openxmlformats.org/markup-compatibility/2006">
               <mc:Choice xmlns:v="urn:schemas-microsoft-com:vml" Requires="v">
-                <p:oleObj spid="_x0000_s2081" name="Visio" r:id="rId6" imgW="4200622" imgH="447792" progId="Visio.Drawing.11">
+                <p:oleObj spid="_x0000_s2083" name="Visio" r:id="rId6" imgW="4200622" imgH="447792" progId="Visio.Drawing.11">
                   <p:embed/>
                 </p:oleObj>
               </mc:Choice>
@@ -7045,7 +7045,7 @@
           <a:graphicData uri="http://schemas.openxmlformats.org/presentationml/2006/ole">
             <mc:AlternateContent xmlns:mc="http://schemas.openxmlformats.org/markup-compatibility/2006">
               <mc:Choice xmlns:v="urn:schemas-microsoft-com:vml" Requires="v">
-                <p:oleObj spid="_x0000_s3104" name="Visio" r:id="rId3" imgW="5800699" imgH="2171726" progId="Visio.Drawing.11">
+                <p:oleObj spid="_x0000_s3106" name="Visio" r:id="rId3" imgW="5800699" imgH="2171726" progId="Visio.Drawing.11">
                   <p:embed/>
                 </p:oleObj>
               </mc:Choice>
@@ -7122,7 +7122,7 @@
           <a:graphicData uri="http://schemas.openxmlformats.org/presentationml/2006/ole">
             <mc:AlternateContent xmlns:mc="http://schemas.openxmlformats.org/markup-compatibility/2006">
               <mc:Choice xmlns:v="urn:schemas-microsoft-com:vml" Requires="v">
-                <p:oleObj spid="_x0000_s3105" name="Visio" r:id="rId5" imgW="5181722" imgH="1323924" progId="Visio.Drawing.11">
+                <p:oleObj spid="_x0000_s3107" name="Visio" r:id="rId5" imgW="5181722" imgH="1323924" progId="Visio.Drawing.11">
                   <p:embed/>
                 </p:oleObj>
               </mc:Choice>
@@ -8552,7 +8552,7 @@
           <a:graphicData uri="http://schemas.openxmlformats.org/presentationml/2006/ole">
             <mc:AlternateContent xmlns:mc="http://schemas.openxmlformats.org/markup-compatibility/2006">
               <mc:Choice xmlns:v="urn:schemas-microsoft-com:vml" Requires="v">
-                <p:oleObj spid="_x0000_s4128" name="Visio" r:id="rId3" imgW="3465771" imgH="1397716" progId="Visio.Drawing.11">
+                <p:oleObj spid="_x0000_s4130" name="Visio" r:id="rId3" imgW="3465771" imgH="1397716" progId="Visio.Drawing.11">
                   <p:embed/>
                 </p:oleObj>
               </mc:Choice>
@@ -8635,7 +8635,7 @@
           <a:graphicData uri="http://schemas.openxmlformats.org/presentationml/2006/ole">
             <mc:AlternateContent xmlns:mc="http://schemas.openxmlformats.org/markup-compatibility/2006">
               <mc:Choice xmlns:v="urn:schemas-microsoft-com:vml" Requires="v">
-                <p:oleObj spid="_x0000_s4129" name="Visio" r:id="rId5" imgW="4639474" imgH="1569124" progId="Visio.Drawing.11">
+                <p:oleObj spid="_x0000_s4131" name="Visio" r:id="rId5" imgW="4639474" imgH="1569124" progId="Visio.Drawing.11">
                   <p:embed/>
                 </p:oleObj>
               </mc:Choice>

--- a/Java Урок 16 ООП. Перерахування. Вкладені класи.pptx
+++ b/Java Урок 16 ООП. Перерахування. Вкладені класи.pptx
@@ -16,9 +16,9 @@
     <p:sldId id="858" r:id="rId7"/>
     <p:sldId id="859" r:id="rId8"/>
     <p:sldId id="822" r:id="rId9"/>
-    <p:sldId id="823" r:id="rId10"/>
-    <p:sldId id="824" r:id="rId11"/>
-    <p:sldId id="825" r:id="rId12"/>
+    <p:sldId id="824" r:id="rId10"/>
+    <p:sldId id="825" r:id="rId11"/>
+    <p:sldId id="823" r:id="rId12"/>
     <p:sldId id="826" r:id="rId13"/>
     <p:sldId id="827" r:id="rId14"/>
     <p:sldId id="828" r:id="rId15"/>
@@ -211,7 +211,7 @@
           <a:p>
             <a:fld id="{5C4D2F2B-D9A5-4006-8636-0D7227425F12}" type="datetimeFigureOut">
               <a:rPr lang="uk-UA" smtClean="0"/>
-              <a:t>25.12.2023</a:t>
+              <a:t>10.01.2024</a:t>
             </a:fld>
             <a:endParaRPr lang="uk-UA"/>
           </a:p>
@@ -713,7 +713,7 @@
           <a:p>
             <a:fld id="{86815C14-2D1E-4708-9F6B-065B17CFE46D}" type="datetimeFigureOut">
               <a:rPr lang="uk-UA" smtClean="0"/>
-              <a:t>25.12.2023</a:t>
+              <a:t>10.01.2024</a:t>
             </a:fld>
             <a:endParaRPr lang="uk-UA"/>
           </a:p>
@@ -913,7 +913,7 @@
           <a:p>
             <a:fld id="{86815C14-2D1E-4708-9F6B-065B17CFE46D}" type="datetimeFigureOut">
               <a:rPr lang="uk-UA" smtClean="0"/>
-              <a:t>25.12.2023</a:t>
+              <a:t>10.01.2024</a:t>
             </a:fld>
             <a:endParaRPr lang="uk-UA"/>
           </a:p>
@@ -1123,7 +1123,7 @@
           <a:p>
             <a:fld id="{86815C14-2D1E-4708-9F6B-065B17CFE46D}" type="datetimeFigureOut">
               <a:rPr lang="uk-UA" smtClean="0"/>
-              <a:t>25.12.2023</a:t>
+              <a:t>10.01.2024</a:t>
             </a:fld>
             <a:endParaRPr lang="uk-UA"/>
           </a:p>
@@ -1446,7 +1446,7 @@
           <a:p>
             <a:fld id="{86815C14-2D1E-4708-9F6B-065B17CFE46D}" type="datetimeFigureOut">
               <a:rPr lang="uk-UA" smtClean="0"/>
-              <a:t>25.12.2023</a:t>
+              <a:t>10.01.2024</a:t>
             </a:fld>
             <a:endParaRPr lang="uk-UA"/>
           </a:p>
@@ -1722,7 +1722,7 @@
           <a:p>
             <a:fld id="{86815C14-2D1E-4708-9F6B-065B17CFE46D}" type="datetimeFigureOut">
               <a:rPr lang="uk-UA" smtClean="0"/>
-              <a:t>25.12.2023</a:t>
+              <a:t>10.01.2024</a:t>
             </a:fld>
             <a:endParaRPr lang="uk-UA"/>
           </a:p>
@@ -1990,7 +1990,7 @@
           <a:p>
             <a:fld id="{86815C14-2D1E-4708-9F6B-065B17CFE46D}" type="datetimeFigureOut">
               <a:rPr lang="uk-UA" smtClean="0"/>
-              <a:t>25.12.2023</a:t>
+              <a:t>10.01.2024</a:t>
             </a:fld>
             <a:endParaRPr lang="uk-UA"/>
           </a:p>
@@ -2405,7 +2405,7 @@
           <a:p>
             <a:fld id="{86815C14-2D1E-4708-9F6B-065B17CFE46D}" type="datetimeFigureOut">
               <a:rPr lang="uk-UA" smtClean="0"/>
-              <a:t>25.12.2023</a:t>
+              <a:t>10.01.2024</a:t>
             </a:fld>
             <a:endParaRPr lang="uk-UA"/>
           </a:p>
@@ -2547,7 +2547,7 @@
           <a:p>
             <a:fld id="{86815C14-2D1E-4708-9F6B-065B17CFE46D}" type="datetimeFigureOut">
               <a:rPr lang="uk-UA" smtClean="0"/>
-              <a:t>25.12.2023</a:t>
+              <a:t>10.01.2024</a:t>
             </a:fld>
             <a:endParaRPr lang="uk-UA"/>
           </a:p>
@@ -2660,7 +2660,7 @@
           <a:p>
             <a:fld id="{86815C14-2D1E-4708-9F6B-065B17CFE46D}" type="datetimeFigureOut">
               <a:rPr lang="uk-UA" smtClean="0"/>
-              <a:t>25.12.2023</a:t>
+              <a:t>10.01.2024</a:t>
             </a:fld>
             <a:endParaRPr lang="uk-UA"/>
           </a:p>
@@ -2973,7 +2973,7 @@
           <a:p>
             <a:fld id="{86815C14-2D1E-4708-9F6B-065B17CFE46D}" type="datetimeFigureOut">
               <a:rPr lang="uk-UA" smtClean="0"/>
-              <a:t>25.12.2023</a:t>
+              <a:t>10.01.2024</a:t>
             </a:fld>
             <a:endParaRPr lang="uk-UA"/>
           </a:p>
@@ -3262,7 +3262,7 @@
           <a:p>
             <a:fld id="{86815C14-2D1E-4708-9F6B-065B17CFE46D}" type="datetimeFigureOut">
               <a:rPr lang="uk-UA" smtClean="0"/>
-              <a:t>25.12.2023</a:t>
+              <a:t>10.01.2024</a:t>
             </a:fld>
             <a:endParaRPr lang="uk-UA"/>
           </a:p>
@@ -3505,7 +3505,7 @@
           <a:p>
             <a:fld id="{86815C14-2D1E-4708-9F6B-065B17CFE46D}" type="datetimeFigureOut">
               <a:rPr lang="uk-UA" smtClean="0"/>
-              <a:t>25.12.2023</a:t>
+              <a:t>10.01.2024</a:t>
             </a:fld>
             <a:endParaRPr lang="uk-UA"/>
           </a:p>
@@ -4024,221 +4024,6 @@
       </p:grpSpPr>
       <p:sp>
         <p:nvSpPr>
-          <p:cNvPr id="219138" name="Заголовок 1"/>
-          <p:cNvSpPr>
-            <a:spLocks noGrp="1"/>
-          </p:cNvSpPr>
-          <p:nvPr>
-            <p:ph type="title"/>
-          </p:nvPr>
-        </p:nvSpPr>
-        <p:spPr>
-          <a:xfrm>
-            <a:off x="0" y="1"/>
-            <a:ext cx="12192000" cy="681036"/>
-          </a:xfrm>
-        </p:spPr>
-        <p:txBody>
-          <a:bodyPr>
-            <a:normAutofit fontScale="90000"/>
-          </a:bodyPr>
-          <a:lstStyle/>
-          <a:p>
-            <a:pPr algn="ctr"/>
-            <a:r>
-              <a:rPr lang="uk-UA" altLang="ru-RU" dirty="0">
-                <a:latin typeface="Times New Roman" panose="02020603050405020304" pitchFamily="18" charset="0"/>
-                <a:cs typeface="Times New Roman" panose="02020603050405020304" pitchFamily="18" charset="0"/>
-              </a:rPr>
-              <a:t>Внутрішні класи</a:t>
-            </a:r>
-          </a:p>
-        </p:txBody>
-      </p:sp>
-      <p:sp>
-        <p:nvSpPr>
-          <p:cNvPr id="219139" name="Объект 2"/>
-          <p:cNvSpPr>
-            <a:spLocks noGrp="1"/>
-          </p:cNvSpPr>
-          <p:nvPr>
-            <p:ph idx="1"/>
-          </p:nvPr>
-        </p:nvSpPr>
-        <p:spPr>
-          <a:xfrm>
-            <a:off x="536542" y="864091"/>
-            <a:ext cx="11114988" cy="4351338"/>
-          </a:xfrm>
-        </p:spPr>
-        <p:txBody>
-          <a:bodyPr>
-            <a:normAutofit/>
-          </a:bodyPr>
-          <a:lstStyle/>
-          <a:p>
-            <a:r>
-              <a:rPr lang="uk-UA" altLang="ru-RU" b="1" i="1" dirty="0">
-                <a:latin typeface="Times New Roman" panose="02020603050405020304" pitchFamily="18" charset="0"/>
-                <a:cs typeface="Times New Roman" panose="02020603050405020304" pitchFamily="18" charset="0"/>
-              </a:rPr>
-              <a:t>Внутрішній клас</a:t>
-            </a:r>
-            <a:r>
-              <a:rPr lang="ru-RU" altLang="ru-RU" b="1" i="1" dirty="0">
-                <a:latin typeface="Times New Roman" panose="02020603050405020304" pitchFamily="18" charset="0"/>
-                <a:cs typeface="Times New Roman" panose="02020603050405020304" pitchFamily="18" charset="0"/>
-              </a:rPr>
-              <a:t> (</a:t>
-            </a:r>
-            <a:r>
-              <a:rPr lang="en-US" altLang="ru-RU" b="1" i="1" dirty="0">
-                <a:latin typeface="Times New Roman" panose="02020603050405020304" pitchFamily="18" charset="0"/>
-                <a:cs typeface="Times New Roman" panose="02020603050405020304" pitchFamily="18" charset="0"/>
-              </a:rPr>
-              <a:t>inner class</a:t>
-            </a:r>
-            <a:r>
-              <a:rPr lang="en-US" altLang="ru-RU" dirty="0">
-                <a:latin typeface="Times New Roman" panose="02020603050405020304" pitchFamily="18" charset="0"/>
-                <a:cs typeface="Times New Roman" panose="02020603050405020304" pitchFamily="18" charset="0"/>
-              </a:rPr>
-              <a:t>)</a:t>
-            </a:r>
-            <a:endParaRPr lang="ru-RU" altLang="ru-RU" dirty="0">
-              <a:latin typeface="Times New Roman" panose="02020603050405020304" pitchFamily="18" charset="0"/>
-              <a:cs typeface="Times New Roman" panose="02020603050405020304" pitchFamily="18" charset="0"/>
-            </a:endParaRPr>
-          </a:p>
-          <a:p>
-            <a:pPr lvl="1"/>
-            <a:r>
-              <a:rPr lang="uk-UA" altLang="ru-RU" sz="2800" dirty="0">
-                <a:latin typeface="Times New Roman" panose="02020603050405020304" pitchFamily="18" charset="0"/>
-                <a:cs typeface="Times New Roman" panose="02020603050405020304" pitchFamily="18" charset="0"/>
-              </a:rPr>
-              <a:t>Є елементом класу</a:t>
-            </a:r>
-          </a:p>
-          <a:p>
-            <a:pPr lvl="1"/>
-            <a:r>
-              <a:rPr lang="uk-UA" altLang="ru-RU" sz="2800" dirty="0">
-                <a:latin typeface="Times New Roman" panose="02020603050405020304" pitchFamily="18" charset="0"/>
-                <a:cs typeface="Times New Roman" panose="02020603050405020304" pitchFamily="18" charset="0"/>
-              </a:rPr>
-              <a:t>Рівень доступу до внутрішнього класу визначається специфікаторами доступу</a:t>
-            </a:r>
-          </a:p>
-          <a:p>
-            <a:pPr lvl="1"/>
-            <a:r>
-              <a:rPr lang="uk-UA" altLang="ru-RU" sz="2800" dirty="0">
-                <a:latin typeface="Times New Roman" panose="02020603050405020304" pitchFamily="18" charset="0"/>
-                <a:cs typeface="Times New Roman" panose="02020603050405020304" pitchFamily="18" charset="0"/>
-              </a:rPr>
-              <a:t>Об’єкти внутрішнього класу створюються для конкретних об’єктів зовнішнього класу</a:t>
-            </a:r>
-          </a:p>
-          <a:p>
-            <a:pPr lvl="1"/>
-            <a:r>
-              <a:rPr lang="uk-UA" altLang="ru-RU" sz="2800" dirty="0">
-                <a:latin typeface="Times New Roman" panose="02020603050405020304" pitchFamily="18" charset="0"/>
-                <a:cs typeface="Times New Roman" panose="02020603050405020304" pitchFamily="18" charset="0"/>
-              </a:rPr>
-              <a:t>Внутрішній клас може звертатись до методів і полів екземпляру зовнішнього класу (прямий доступ)</a:t>
-            </a:r>
-          </a:p>
-          <a:p>
-            <a:pPr lvl="1"/>
-            <a:r>
-              <a:rPr lang="uk-UA" altLang="ru-RU" sz="2800" dirty="0">
-                <a:latin typeface="Times New Roman" panose="02020603050405020304" pitchFamily="18" charset="0"/>
-                <a:cs typeface="Times New Roman" panose="02020603050405020304" pitchFamily="18" charset="0"/>
-              </a:rPr>
-              <a:t>Внутрішній клас не може містити статичних елементів</a:t>
-            </a:r>
-            <a:r>
-              <a:rPr lang="en-US" altLang="ru-RU" sz="2800" dirty="0">
-                <a:latin typeface="Times New Roman" panose="02020603050405020304" pitchFamily="18" charset="0"/>
-                <a:cs typeface="Times New Roman" panose="02020603050405020304" pitchFamily="18" charset="0"/>
-              </a:rPr>
-              <a:t> (</a:t>
-            </a:r>
-            <a:r>
-              <a:rPr lang="uk-UA" altLang="ru-RU" sz="2800" dirty="0">
-                <a:latin typeface="Times New Roman" panose="02020603050405020304" pitchFamily="18" charset="0"/>
-                <a:cs typeface="Times New Roman" panose="02020603050405020304" pitchFamily="18" charset="0"/>
-              </a:rPr>
-              <a:t>починаючи з </a:t>
-            </a:r>
-            <a:r>
-              <a:rPr lang="en-US" altLang="ru-RU" sz="2800" dirty="0">
-                <a:latin typeface="Times New Roman" panose="02020603050405020304" pitchFamily="18" charset="0"/>
-                <a:cs typeface="Times New Roman" panose="02020603050405020304" pitchFamily="18" charset="0"/>
-              </a:rPr>
-              <a:t>Java 16 – </a:t>
-            </a:r>
-            <a:r>
-              <a:rPr lang="uk-UA" altLang="ru-RU" sz="2800" dirty="0">
-                <a:latin typeface="Times New Roman" panose="02020603050405020304" pitchFamily="18" charset="0"/>
-                <a:cs typeface="Times New Roman" panose="02020603050405020304" pitchFamily="18" charset="0"/>
-              </a:rPr>
-              <a:t>може</a:t>
-            </a:r>
-            <a:r>
-              <a:rPr lang="en-US" altLang="ru-RU" sz="2800" dirty="0">
-                <a:latin typeface="Times New Roman" panose="02020603050405020304" pitchFamily="18" charset="0"/>
-                <a:cs typeface="Times New Roman" panose="02020603050405020304" pitchFamily="18" charset="0"/>
-              </a:rPr>
-              <a:t>)</a:t>
-            </a:r>
-            <a:endParaRPr lang="uk-UA" altLang="ru-RU" sz="2800" dirty="0">
-              <a:latin typeface="Times New Roman" panose="02020603050405020304" pitchFamily="18" charset="0"/>
-              <a:cs typeface="Times New Roman" panose="02020603050405020304" pitchFamily="18" charset="0"/>
-            </a:endParaRPr>
-          </a:p>
-          <a:p>
-            <a:endParaRPr lang="ru-RU" altLang="ru-RU" dirty="0">
-              <a:latin typeface="Times New Roman" panose="02020603050405020304" pitchFamily="18" charset="0"/>
-              <a:cs typeface="Times New Roman" panose="02020603050405020304" pitchFamily="18" charset="0"/>
-            </a:endParaRPr>
-          </a:p>
-        </p:txBody>
-      </p:sp>
-    </p:spTree>
-    <p:extLst>
-      <p:ext uri="{BB962C8B-B14F-4D97-AF65-F5344CB8AC3E}">
-        <p14:creationId xmlns:p14="http://schemas.microsoft.com/office/powerpoint/2010/main" val="2031451493"/>
-      </p:ext>
-    </p:extLst>
-  </p:cSld>
-  <p:clrMapOvr>
-    <a:masterClrMapping/>
-  </p:clrMapOvr>
-</p:sld>
-</file>
-
-<file path=ppt/slides/slide11.xml><?xml version="1.0" encoding="utf-8"?>
-<p:sld xmlns:a="http://schemas.openxmlformats.org/drawingml/2006/main" xmlns:r="http://schemas.openxmlformats.org/officeDocument/2006/relationships" xmlns:p="http://schemas.openxmlformats.org/presentationml/2006/main">
-  <p:cSld>
-    <p:spTree>
-      <p:nvGrpSpPr>
-        <p:cNvPr id="1" name=""/>
-        <p:cNvGrpSpPr/>
-        <p:nvPr/>
-      </p:nvGrpSpPr>
-      <p:grpSpPr>
-        <a:xfrm>
-          <a:off x="0" y="0"/>
-          <a:ext cx="0" cy="0"/>
-          <a:chOff x="0" y="0"/>
-          <a:chExt cx="0" cy="0"/>
-        </a:xfrm>
-      </p:grpSpPr>
-      <p:sp>
-        <p:nvSpPr>
           <p:cNvPr id="220162" name="Заголовок 1"/>
           <p:cNvSpPr>
             <a:spLocks noGrp="1"/>
@@ -4286,7 +4071,7 @@
           <a:graphicData uri="http://schemas.openxmlformats.org/presentationml/2006/ole">
             <mc:AlternateContent xmlns:mc="http://schemas.openxmlformats.org/markup-compatibility/2006">
               <mc:Choice xmlns:v="urn:schemas-microsoft-com:vml" Requires="v">
-                <p:oleObj spid="_x0000_s5170" name="Visio" r:id="rId3" imgW="2878919" imgH="2072550" progId="Visio.Drawing.11">
+                <p:oleObj spid="_x0000_s5173" name="Visio" r:id="rId3" imgW="2878919" imgH="2072550" progId="Visio.Drawing.11">
                   <p:embed/>
                 </p:oleObj>
               </mc:Choice>
@@ -4556,7 +4341,7 @@
           <a:graphicData uri="http://schemas.openxmlformats.org/presentationml/2006/ole">
             <mc:AlternateContent xmlns:mc="http://schemas.openxmlformats.org/markup-compatibility/2006">
               <mc:Choice xmlns:v="urn:schemas-microsoft-com:vml" Requires="v">
-                <p:oleObj spid="_x0000_s5171" name="Visio" r:id="rId5" imgW="360641" imgH="505046" progId="Visio.Drawing.11">
+                <p:oleObj spid="_x0000_s5174" name="Visio" r:id="rId5" imgW="360641" imgH="505046" progId="Visio.Drawing.11">
                   <p:embed/>
                 </p:oleObj>
               </mc:Choice>
@@ -4639,7 +4424,7 @@
           <a:graphicData uri="http://schemas.openxmlformats.org/presentationml/2006/ole">
             <mc:AlternateContent xmlns:mc="http://schemas.openxmlformats.org/markup-compatibility/2006">
               <mc:Choice xmlns:v="urn:schemas-microsoft-com:vml" Requires="v">
-                <p:oleObj spid="_x0000_s5172" name="Visio" r:id="rId7" imgW="4723425" imgH="1736753" progId="Visio.Drawing.11">
+                <p:oleObj spid="_x0000_s5175" name="Visio" r:id="rId7" imgW="4723425" imgH="1736753" progId="Visio.Drawing.11">
                   <p:embed/>
                 </p:oleObj>
               </mc:Choice>
@@ -4710,6 +4495,364 @@
     <p:extLst>
       <p:ext uri="{BB962C8B-B14F-4D97-AF65-F5344CB8AC3E}">
         <p14:creationId xmlns:p14="http://schemas.microsoft.com/office/powerpoint/2010/main" val="875622467"/>
+      </p:ext>
+    </p:extLst>
+  </p:cSld>
+  <p:clrMapOvr>
+    <a:masterClrMapping/>
+  </p:clrMapOvr>
+</p:sld>
+</file>
+
+<file path=ppt/slides/slide11.xml><?xml version="1.0" encoding="utf-8"?>
+<p:sld xmlns:a="http://schemas.openxmlformats.org/drawingml/2006/main" xmlns:r="http://schemas.openxmlformats.org/officeDocument/2006/relationships" xmlns:p="http://schemas.openxmlformats.org/presentationml/2006/main">
+  <p:cSld>
+    <p:spTree>
+      <p:nvGrpSpPr>
+        <p:cNvPr id="1" name=""/>
+        <p:cNvGrpSpPr/>
+        <p:nvPr/>
+      </p:nvGrpSpPr>
+      <p:grpSpPr>
+        <a:xfrm>
+          <a:off x="0" y="0"/>
+          <a:ext cx="0" cy="0"/>
+          <a:chOff x="0" y="0"/>
+          <a:chExt cx="0" cy="0"/>
+        </a:xfrm>
+      </p:grpSpPr>
+      <p:sp>
+        <p:nvSpPr>
+          <p:cNvPr id="218114" name="Заголовок 1"/>
+          <p:cNvSpPr>
+            <a:spLocks noGrp="1"/>
+          </p:cNvSpPr>
+          <p:nvPr>
+            <p:ph type="title"/>
+          </p:nvPr>
+        </p:nvSpPr>
+        <p:spPr>
+          <a:xfrm>
+            <a:off x="0" y="0"/>
+            <a:ext cx="12192000" cy="914400"/>
+          </a:xfrm>
+        </p:spPr>
+        <p:txBody>
+          <a:bodyPr/>
+          <a:lstStyle/>
+          <a:p>
+            <a:pPr algn="ctr"/>
+            <a:r>
+              <a:rPr lang="uk-UA" altLang="ru-RU" dirty="0">
+                <a:latin typeface="Times New Roman" panose="02020603050405020304" pitchFamily="18" charset="0"/>
+                <a:cs typeface="Times New Roman" panose="02020603050405020304" pitchFamily="18" charset="0"/>
+              </a:rPr>
+              <a:t>Статичні вкладені класи</a:t>
+            </a:r>
+          </a:p>
+        </p:txBody>
+      </p:sp>
+      <p:sp>
+        <p:nvSpPr>
+          <p:cNvPr id="177155" name="Объект 2"/>
+          <p:cNvSpPr>
+            <a:spLocks noGrp="1"/>
+          </p:cNvSpPr>
+          <p:nvPr>
+            <p:ph idx="1"/>
+          </p:nvPr>
+        </p:nvSpPr>
+        <p:spPr>
+          <a:xfrm>
+            <a:off x="694286" y="879475"/>
+            <a:ext cx="10925666" cy="1831975"/>
+          </a:xfrm>
+        </p:spPr>
+        <p:txBody>
+          <a:bodyPr>
+            <a:noAutofit/>
+          </a:bodyPr>
+          <a:lstStyle/>
+          <a:p>
+            <a:pPr>
+              <a:defRPr/>
+            </a:pPr>
+            <a:r>
+              <a:rPr lang="uk-UA" altLang="ru-RU" sz="2000" b="1" i="1" dirty="0">
+                <a:latin typeface="Times New Roman" panose="02020603050405020304" pitchFamily="18" charset="0"/>
+                <a:cs typeface="Times New Roman" panose="02020603050405020304" pitchFamily="18" charset="0"/>
+              </a:rPr>
+              <a:t>Статичний вкладений клас </a:t>
+            </a:r>
+            <a:r>
+              <a:rPr lang="uk-UA" altLang="ru-RU" sz="2000" dirty="0">
+                <a:latin typeface="Times New Roman" panose="02020603050405020304" pitchFamily="18" charset="0"/>
+                <a:cs typeface="Times New Roman" panose="02020603050405020304" pitchFamily="18" charset="0"/>
+              </a:rPr>
+              <a:t>(</a:t>
+            </a:r>
+            <a:r>
+              <a:rPr lang="en-US" altLang="ru-RU" sz="2000" b="1" i="1" dirty="0">
+                <a:latin typeface="Times New Roman" panose="02020603050405020304" pitchFamily="18" charset="0"/>
+                <a:cs typeface="Times New Roman" panose="02020603050405020304" pitchFamily="18" charset="0"/>
+              </a:rPr>
+              <a:t>static nested class</a:t>
+            </a:r>
+            <a:r>
+              <a:rPr lang="uk-UA" altLang="ru-RU" sz="2000" dirty="0">
+                <a:latin typeface="Times New Roman" panose="02020603050405020304" pitchFamily="18" charset="0"/>
+                <a:cs typeface="Times New Roman" panose="02020603050405020304" pitchFamily="18" charset="0"/>
+              </a:rPr>
+              <a:t>)</a:t>
+            </a:r>
+          </a:p>
+          <a:p>
+            <a:pPr lvl="1">
+              <a:defRPr/>
+            </a:pPr>
+            <a:r>
+              <a:rPr lang="uk-UA" altLang="ru-RU" sz="2000" dirty="0">
+                <a:latin typeface="Times New Roman" panose="02020603050405020304" pitchFamily="18" charset="0"/>
+                <a:cs typeface="Times New Roman" panose="02020603050405020304" pitchFamily="18" charset="0"/>
+              </a:rPr>
+              <a:t>Є статичним елементом класу</a:t>
+            </a:r>
+          </a:p>
+          <a:p>
+            <a:pPr lvl="1">
+              <a:defRPr/>
+            </a:pPr>
+            <a:r>
+              <a:rPr lang="uk-UA" altLang="ru-RU" sz="2000" dirty="0">
+                <a:latin typeface="Times New Roman" panose="02020603050405020304" pitchFamily="18" charset="0"/>
+                <a:cs typeface="Times New Roman" panose="02020603050405020304" pitchFamily="18" charset="0"/>
+              </a:rPr>
+              <a:t>Рівень доступу до СВК визначається специфікаторами доступу</a:t>
+            </a:r>
+          </a:p>
+          <a:p>
+            <a:pPr lvl="1">
+              <a:defRPr/>
+            </a:pPr>
+            <a:r>
+              <a:rPr lang="uk-UA" altLang="ru-RU" sz="2000" dirty="0">
+                <a:latin typeface="Times New Roman" panose="02020603050405020304" pitchFamily="18" charset="0"/>
+                <a:cs typeface="Times New Roman" panose="02020603050405020304" pitchFamily="18" charset="0"/>
+              </a:rPr>
+              <a:t>СВК не може звертатись до методів і полів екземпляру зовнішнього класу (нестатичних) </a:t>
+            </a:r>
+          </a:p>
+          <a:p>
+            <a:pPr lvl="1">
+              <a:defRPr/>
+            </a:pPr>
+            <a:r>
+              <a:rPr lang="uk-UA" altLang="ru-RU" sz="2000" dirty="0">
+                <a:latin typeface="Times New Roman" panose="02020603050405020304" pitchFamily="18" charset="0"/>
+                <a:cs typeface="Times New Roman" panose="02020603050405020304" pitchFamily="18" charset="0"/>
+              </a:rPr>
+              <a:t>Об’єкти СВК створюються і існують незалежно від об’єктів зовнішнього класу</a:t>
+            </a:r>
+          </a:p>
+          <a:p>
+            <a:pPr lvl="1">
+              <a:defRPr/>
+            </a:pPr>
+            <a:endParaRPr lang="uk-UA" altLang="ru-RU" sz="2000" dirty="0">
+              <a:latin typeface="Times New Roman" panose="02020603050405020304" pitchFamily="18" charset="0"/>
+              <a:cs typeface="Times New Roman" panose="02020603050405020304" pitchFamily="18" charset="0"/>
+            </a:endParaRPr>
+          </a:p>
+          <a:p>
+            <a:pPr lvl="1">
+              <a:defRPr/>
+            </a:pPr>
+            <a:endParaRPr lang="uk-UA" altLang="ru-RU" sz="2000" dirty="0">
+              <a:latin typeface="Times New Roman" panose="02020603050405020304" pitchFamily="18" charset="0"/>
+              <a:cs typeface="Times New Roman" panose="02020603050405020304" pitchFamily="18" charset="0"/>
+            </a:endParaRPr>
+          </a:p>
+          <a:p>
+            <a:pPr lvl="1">
+              <a:defRPr/>
+            </a:pPr>
+            <a:endParaRPr lang="uk-UA" altLang="ru-RU" sz="2000" dirty="0">
+              <a:latin typeface="Times New Roman" panose="02020603050405020304" pitchFamily="18" charset="0"/>
+              <a:cs typeface="Times New Roman" panose="02020603050405020304" pitchFamily="18" charset="0"/>
+            </a:endParaRPr>
+          </a:p>
+        </p:txBody>
+      </p:sp>
+      <p:graphicFrame>
+        <p:nvGraphicFramePr>
+          <p:cNvPr id="218116" name="Объект 1"/>
+          <p:cNvGraphicFramePr>
+            <a:graphicFrameLocks noChangeAspect="1"/>
+          </p:cNvGraphicFramePr>
+          <p:nvPr/>
+        </p:nvGraphicFramePr>
+        <p:xfrm>
+          <a:off x="2998789" y="2806700"/>
+          <a:ext cx="4740275" cy="1911350"/>
+        </p:xfrm>
+        <a:graphic>
+          <a:graphicData uri="http://schemas.openxmlformats.org/presentationml/2006/ole">
+            <mc:AlternateContent xmlns:mc="http://schemas.openxmlformats.org/markup-compatibility/2006">
+              <mc:Choice xmlns:v="urn:schemas-microsoft-com:vml" Requires="v">
+                <p:oleObj spid="_x0000_s4132" name="Visio" r:id="rId3" imgW="3465771" imgH="1397716" progId="Visio.Drawing.11">
+                  <p:embed/>
+                </p:oleObj>
+              </mc:Choice>
+              <mc:Fallback>
+                <p:oleObj name="Visio" r:id="rId3" imgW="3465771" imgH="1397716" progId="Visio.Drawing.11">
+                  <p:embed/>
+                  <p:pic>
+                    <p:nvPicPr>
+                      <p:cNvPr id="218116" name="Объект 1"/>
+                      <p:cNvPicPr>
+                        <a:picLocks noChangeAspect="1" noChangeArrowheads="1"/>
+                      </p:cNvPicPr>
+                      <p:nvPr/>
+                    </p:nvPicPr>
+                    <p:blipFill>
+                      <a:blip r:embed="rId4">
+                        <a:extLst>
+                          <a:ext uri="{28A0092B-C50C-407E-A947-70E740481C1C}">
+                            <a14:useLocalDpi xmlns:a14="http://schemas.microsoft.com/office/drawing/2010/main" val="0"/>
+                          </a:ext>
+                        </a:extLst>
+                      </a:blip>
+                      <a:srcRect/>
+                      <a:stretch>
+                        <a:fillRect/>
+                      </a:stretch>
+                    </p:blipFill>
+                    <p:spPr bwMode="auto">
+                      <a:xfrm>
+                        <a:off x="2998789" y="2806700"/>
+                        <a:ext cx="4740275" cy="1911350"/>
+                      </a:xfrm>
+                      <a:prstGeom prst="rect">
+                        <a:avLst/>
+                      </a:prstGeom>
+                      <a:noFill/>
+                      <a:ln>
+                        <a:noFill/>
+                      </a:ln>
+                      <a:extLst>
+                        <a:ext uri="{909E8E84-426E-40DD-AFC4-6F175D3DCCD1}">
+                          <a14:hiddenFill xmlns:a14="http://schemas.microsoft.com/office/drawing/2010/main">
+                            <a:solidFill>
+                              <a:srgbClr val="FFFFFF"/>
+                            </a:solidFill>
+                          </a14:hiddenFill>
+                        </a:ext>
+                        <a:ext uri="{91240B29-F687-4F45-9708-019B960494DF}">
+                          <a14:hiddenLine xmlns:a14="http://schemas.microsoft.com/office/drawing/2010/main" w="9525">
+                            <a:solidFill>
+                              <a:srgbClr val="000000"/>
+                            </a:solidFill>
+                            <a:miter lim="800000"/>
+                            <a:headEnd/>
+                            <a:tailEnd/>
+                          </a14:hiddenLine>
+                        </a:ext>
+                      </a:extLst>
+                    </p:spPr>
+                  </p:pic>
+                </p:oleObj>
+              </mc:Fallback>
+            </mc:AlternateContent>
+          </a:graphicData>
+        </a:graphic>
+      </p:graphicFrame>
+      <p:graphicFrame>
+        <p:nvGraphicFramePr>
+          <p:cNvPr id="218117" name="Объект 2"/>
+          <p:cNvGraphicFramePr>
+            <a:graphicFrameLocks noChangeAspect="1"/>
+          </p:cNvGraphicFramePr>
+          <p:nvPr/>
+        </p:nvGraphicFramePr>
+        <p:xfrm>
+          <a:off x="2982913" y="4603750"/>
+          <a:ext cx="6348412" cy="2146300"/>
+        </p:xfrm>
+        <a:graphic>
+          <a:graphicData uri="http://schemas.openxmlformats.org/presentationml/2006/ole">
+            <mc:AlternateContent xmlns:mc="http://schemas.openxmlformats.org/markup-compatibility/2006">
+              <mc:Choice xmlns:v="urn:schemas-microsoft-com:vml" Requires="v">
+                <p:oleObj spid="_x0000_s4133" name="Visio" r:id="rId5" imgW="4639474" imgH="1569124" progId="Visio.Drawing.11">
+                  <p:embed/>
+                </p:oleObj>
+              </mc:Choice>
+              <mc:Fallback>
+                <p:oleObj name="Visio" r:id="rId5" imgW="4639474" imgH="1569124" progId="Visio.Drawing.11">
+                  <p:embed/>
+                  <p:pic>
+                    <p:nvPicPr>
+                      <p:cNvPr id="218117" name="Объект 2"/>
+                      <p:cNvPicPr>
+                        <a:picLocks noChangeAspect="1" noChangeArrowheads="1"/>
+                      </p:cNvPicPr>
+                      <p:nvPr/>
+                    </p:nvPicPr>
+                    <p:blipFill>
+                      <a:blip r:embed="rId6">
+                        <a:extLst>
+                          <a:ext uri="{28A0092B-C50C-407E-A947-70E740481C1C}">
+                            <a14:useLocalDpi xmlns:a14="http://schemas.microsoft.com/office/drawing/2010/main" val="0"/>
+                          </a:ext>
+                        </a:extLst>
+                      </a:blip>
+                      <a:srcRect/>
+                      <a:stretch>
+                        <a:fillRect/>
+                      </a:stretch>
+                    </p:blipFill>
+                    <p:spPr bwMode="auto">
+                      <a:xfrm>
+                        <a:off x="2982913" y="4603750"/>
+                        <a:ext cx="6348412" cy="2146300"/>
+                      </a:xfrm>
+                      <a:prstGeom prst="rect">
+                        <a:avLst/>
+                      </a:prstGeom>
+                      <a:noFill/>
+                      <a:ln>
+                        <a:noFill/>
+                      </a:ln>
+                      <a:extLst>
+                        <a:ext uri="{909E8E84-426E-40DD-AFC4-6F175D3DCCD1}">
+                          <a14:hiddenFill xmlns:a14="http://schemas.microsoft.com/office/drawing/2010/main">
+                            <a:solidFill>
+                              <a:srgbClr val="FFFFFF"/>
+                            </a:solidFill>
+                          </a14:hiddenFill>
+                        </a:ext>
+                        <a:ext uri="{91240B29-F687-4F45-9708-019B960494DF}">
+                          <a14:hiddenLine xmlns:a14="http://schemas.microsoft.com/office/drawing/2010/main" w="9525">
+                            <a:solidFill>
+                              <a:srgbClr val="000000"/>
+                            </a:solidFill>
+                            <a:miter lim="800000"/>
+                            <a:headEnd/>
+                            <a:tailEnd/>
+                          </a14:hiddenLine>
+                        </a:ext>
+                      </a:extLst>
+                    </p:spPr>
+                  </p:pic>
+                </p:oleObj>
+              </mc:Fallback>
+            </mc:AlternateContent>
+          </a:graphicData>
+        </a:graphic>
+      </p:graphicFrame>
+    </p:spTree>
+    <p:extLst>
+      <p:ext uri="{BB962C8B-B14F-4D97-AF65-F5344CB8AC3E}">
+        <p14:creationId xmlns:p14="http://schemas.microsoft.com/office/powerpoint/2010/main" val="3617636076"/>
       </p:ext>
     </p:extLst>
   </p:cSld>
@@ -5013,7 +5156,7 @@
           <a:graphicData uri="http://schemas.openxmlformats.org/presentationml/2006/ole">
             <mc:AlternateContent xmlns:mc="http://schemas.openxmlformats.org/markup-compatibility/2006">
               <mc:Choice xmlns:v="urn:schemas-microsoft-com:vml" Requires="v">
-                <p:oleObj spid="_x0000_s6162" name="Visio" r:id="rId3" imgW="4136574" imgH="3587687" progId="Visio.Drawing.11">
+                <p:oleObj spid="_x0000_s6163" name="Visio" r:id="rId3" imgW="4136574" imgH="3587687" progId="Visio.Drawing.11">
                   <p:embed/>
                 </p:oleObj>
               </mc:Choice>
@@ -5332,7 +5475,7 @@
           <a:graphicData uri="http://schemas.openxmlformats.org/presentationml/2006/ole">
             <mc:AlternateContent xmlns:mc="http://schemas.openxmlformats.org/markup-compatibility/2006">
               <mc:Choice xmlns:v="urn:schemas-microsoft-com:vml" Requires="v">
-                <p:oleObj spid="_x0000_s7186" name="Visio" r:id="rId3" imgW="4807107" imgH="3753156" progId="Visio.Drawing.11">
+                <p:oleObj spid="_x0000_s7187" name="Visio" r:id="rId3" imgW="4807107" imgH="3753156" progId="Visio.Drawing.11">
                   <p:embed/>
                 </p:oleObj>
               </mc:Choice>
@@ -6152,7 +6295,7 @@
           <a:graphicData uri="http://schemas.openxmlformats.org/presentationml/2006/ole">
             <mc:AlternateContent xmlns:mc="http://schemas.openxmlformats.org/markup-compatibility/2006">
               <mc:Choice xmlns:v="urn:schemas-microsoft-com:vml" Requires="v">
-                <p:oleObj spid="_x0000_s1042" name="Visio" r:id="rId3" imgW="3579956" imgH="720723" progId="Visio.Drawing.11">
+                <p:oleObj spid="_x0000_s1043" name="Visio" r:id="rId3" imgW="3579956" imgH="720723" progId="Visio.Drawing.11">
                   <p:embed/>
                 </p:oleObj>
               </mc:Choice>
@@ -6641,7 +6784,7 @@
           <a:graphicData uri="http://schemas.openxmlformats.org/presentationml/2006/ole">
             <mc:AlternateContent xmlns:mc="http://schemas.openxmlformats.org/markup-compatibility/2006">
               <mc:Choice xmlns:v="urn:schemas-microsoft-com:vml" Requires="v">
-                <p:oleObj spid="_x0000_s2082" name="Visio" r:id="rId4" imgW="5629322" imgH="3171752" progId="Visio.Drawing.11">
+                <p:oleObj spid="_x0000_s2084" name="Visio" r:id="rId4" imgW="5629322" imgH="3171752" progId="Visio.Drawing.11">
                   <p:embed/>
                 </p:oleObj>
               </mc:Choice>
@@ -6905,7 +7048,7 @@
           <a:graphicData uri="http://schemas.openxmlformats.org/presentationml/2006/ole">
             <mc:AlternateContent xmlns:mc="http://schemas.openxmlformats.org/markup-compatibility/2006">
               <mc:Choice xmlns:v="urn:schemas-microsoft-com:vml" Requires="v">
-                <p:oleObj spid="_x0000_s2083" name="Visio" r:id="rId6" imgW="4200622" imgH="447792" progId="Visio.Drawing.11">
+                <p:oleObj spid="_x0000_s2085" name="Visio" r:id="rId6" imgW="4200622" imgH="447792" progId="Visio.Drawing.11">
                   <p:embed/>
                 </p:oleObj>
               </mc:Choice>
@@ -7045,7 +7188,7 @@
           <a:graphicData uri="http://schemas.openxmlformats.org/presentationml/2006/ole">
             <mc:AlternateContent xmlns:mc="http://schemas.openxmlformats.org/markup-compatibility/2006">
               <mc:Choice xmlns:v="urn:schemas-microsoft-com:vml" Requires="v">
-                <p:oleObj spid="_x0000_s3106" name="Visio" r:id="rId3" imgW="5800699" imgH="2171726" progId="Visio.Drawing.11">
+                <p:oleObj spid="_x0000_s3108" name="Visio" r:id="rId3" imgW="5800699" imgH="2171726" progId="Visio.Drawing.11">
                   <p:embed/>
                 </p:oleObj>
               </mc:Choice>
@@ -7122,7 +7265,7 @@
           <a:graphicData uri="http://schemas.openxmlformats.org/presentationml/2006/ole">
             <mc:AlternateContent xmlns:mc="http://schemas.openxmlformats.org/markup-compatibility/2006">
               <mc:Choice xmlns:v="urn:schemas-microsoft-com:vml" Requires="v">
-                <p:oleObj spid="_x0000_s3107" name="Visio" r:id="rId5" imgW="5181722" imgH="1323924" progId="Visio.Drawing.11">
+                <p:oleObj spid="_x0000_s3109" name="Visio" r:id="rId5" imgW="5181722" imgH="1323924" progId="Visio.Drawing.11">
                   <p:embed/>
                 </p:oleObj>
               </mc:Choice>
@@ -8376,7 +8519,7 @@
       </p:grpSpPr>
       <p:sp>
         <p:nvSpPr>
-          <p:cNvPr id="218114" name="Заголовок 1"/>
+          <p:cNvPr id="219138" name="Заголовок 1"/>
           <p:cNvSpPr>
             <a:spLocks noGrp="1"/>
           </p:cNvSpPr>
@@ -8386,12 +8529,14 @@
         </p:nvSpPr>
         <p:spPr>
           <a:xfrm>
-            <a:off x="0" y="0"/>
-            <a:ext cx="12192000" cy="914400"/>
+            <a:off x="0" y="1"/>
+            <a:ext cx="12192000" cy="681036"/>
           </a:xfrm>
         </p:spPr>
         <p:txBody>
-          <a:bodyPr/>
+          <a:bodyPr>
+            <a:normAutofit fontScale="90000"/>
+          </a:bodyPr>
           <a:lstStyle/>
           <a:p>
             <a:pPr algn="ctr"/>
@@ -8400,14 +8545,14 @@
                 <a:latin typeface="Times New Roman" panose="02020603050405020304" pitchFamily="18" charset="0"/>
                 <a:cs typeface="Times New Roman" panose="02020603050405020304" pitchFamily="18" charset="0"/>
               </a:rPr>
-              <a:t>Статичні вкладені класи</a:t>
-            </a:r>
-          </a:p>
-        </p:txBody>
-      </p:sp>
-      <p:sp>
-        <p:nvSpPr>
-          <p:cNvPr id="177155" name="Объект 2"/>
+              <a:t>Внутрішні класи</a:t>
+            </a:r>
+          </a:p>
+        </p:txBody>
+      </p:sp>
+      <p:sp>
+        <p:nvSpPr>
+          <p:cNvPr id="219139" name="Объект 2"/>
           <p:cNvSpPr>
             <a:spLocks noGrp="1"/>
           </p:cNvSpPr>
@@ -8417,295 +8562,150 @@
         </p:nvSpPr>
         <p:spPr>
           <a:xfrm>
-            <a:off x="694286" y="879475"/>
-            <a:ext cx="10925666" cy="1831975"/>
+            <a:off x="536542" y="864091"/>
+            <a:ext cx="11114988" cy="4351338"/>
           </a:xfrm>
         </p:spPr>
         <p:txBody>
           <a:bodyPr>
-            <a:noAutofit/>
+            <a:normAutofit/>
           </a:bodyPr>
           <a:lstStyle/>
           <a:p>
-            <a:pPr>
-              <a:defRPr/>
-            </a:pPr>
-            <a:r>
-              <a:rPr lang="uk-UA" altLang="ru-RU" sz="2000" b="1" i="1" dirty="0">
-                <a:latin typeface="Times New Roman" panose="02020603050405020304" pitchFamily="18" charset="0"/>
-                <a:cs typeface="Times New Roman" panose="02020603050405020304" pitchFamily="18" charset="0"/>
-              </a:rPr>
-              <a:t>Статичний вкладений клас </a:t>
-            </a:r>
-            <a:r>
-              <a:rPr lang="uk-UA" altLang="ru-RU" sz="2000" dirty="0">
-                <a:latin typeface="Times New Roman" panose="02020603050405020304" pitchFamily="18" charset="0"/>
-                <a:cs typeface="Times New Roman" panose="02020603050405020304" pitchFamily="18" charset="0"/>
-              </a:rPr>
-              <a:t>(</a:t>
-            </a:r>
-            <a:r>
-              <a:rPr lang="en-US" altLang="ru-RU" sz="2000" b="1" i="1" dirty="0">
-                <a:latin typeface="Times New Roman" panose="02020603050405020304" pitchFamily="18" charset="0"/>
-                <a:cs typeface="Times New Roman" panose="02020603050405020304" pitchFamily="18" charset="0"/>
-              </a:rPr>
-              <a:t>static nested class</a:t>
-            </a:r>
-            <a:r>
-              <a:rPr lang="uk-UA" altLang="ru-RU" sz="2000" dirty="0">
+            <a:r>
+              <a:rPr lang="uk-UA" altLang="ru-RU" b="1" i="1" dirty="0">
+                <a:latin typeface="Times New Roman" panose="02020603050405020304" pitchFamily="18" charset="0"/>
+                <a:cs typeface="Times New Roman" panose="02020603050405020304" pitchFamily="18" charset="0"/>
+              </a:rPr>
+              <a:t>Внутрішній клас</a:t>
+            </a:r>
+            <a:r>
+              <a:rPr lang="ru-RU" altLang="ru-RU" b="1" i="1" dirty="0">
+                <a:latin typeface="Times New Roman" panose="02020603050405020304" pitchFamily="18" charset="0"/>
+                <a:cs typeface="Times New Roman" panose="02020603050405020304" pitchFamily="18" charset="0"/>
+              </a:rPr>
+              <a:t> (</a:t>
+            </a:r>
+            <a:r>
+              <a:rPr lang="en-US" altLang="ru-RU" b="1" i="1" dirty="0">
+                <a:latin typeface="Times New Roman" panose="02020603050405020304" pitchFamily="18" charset="0"/>
+                <a:cs typeface="Times New Roman" panose="02020603050405020304" pitchFamily="18" charset="0"/>
+              </a:rPr>
+              <a:t>inner class</a:t>
+            </a:r>
+            <a:r>
+              <a:rPr lang="en-US" altLang="ru-RU" dirty="0">
                 <a:latin typeface="Times New Roman" panose="02020603050405020304" pitchFamily="18" charset="0"/>
                 <a:cs typeface="Times New Roman" panose="02020603050405020304" pitchFamily="18" charset="0"/>
               </a:rPr>
               <a:t>)</a:t>
             </a:r>
-          </a:p>
-          <a:p>
-            <a:pPr lvl="1">
-              <a:defRPr/>
-            </a:pPr>
-            <a:r>
-              <a:rPr lang="uk-UA" altLang="ru-RU" sz="2000" dirty="0">
-                <a:latin typeface="Times New Roman" panose="02020603050405020304" pitchFamily="18" charset="0"/>
-                <a:cs typeface="Times New Roman" panose="02020603050405020304" pitchFamily="18" charset="0"/>
-              </a:rPr>
-              <a:t>Є статичним елементом класу</a:t>
-            </a:r>
-          </a:p>
-          <a:p>
-            <a:pPr lvl="1">
-              <a:defRPr/>
-            </a:pPr>
-            <a:r>
-              <a:rPr lang="uk-UA" altLang="ru-RU" sz="2000" dirty="0">
-                <a:latin typeface="Times New Roman" panose="02020603050405020304" pitchFamily="18" charset="0"/>
-                <a:cs typeface="Times New Roman" panose="02020603050405020304" pitchFamily="18" charset="0"/>
-              </a:rPr>
-              <a:t>Рівень доступу до СВК визначається специфікаторами доступу</a:t>
-            </a:r>
-          </a:p>
-          <a:p>
-            <a:pPr lvl="1">
-              <a:defRPr/>
-            </a:pPr>
-            <a:r>
-              <a:rPr lang="uk-UA" altLang="ru-RU" sz="2000" dirty="0">
-                <a:latin typeface="Times New Roman" panose="02020603050405020304" pitchFamily="18" charset="0"/>
-                <a:cs typeface="Times New Roman" panose="02020603050405020304" pitchFamily="18" charset="0"/>
-              </a:rPr>
-              <a:t>СВК не може звертатись до методів і полів екземпляру зовнішнього класу (нестатичних) </a:t>
-            </a:r>
-          </a:p>
-          <a:p>
-            <a:pPr lvl="1">
-              <a:defRPr/>
-            </a:pPr>
-            <a:r>
-              <a:rPr lang="uk-UA" altLang="ru-RU" sz="2000" dirty="0">
-                <a:latin typeface="Times New Roman" panose="02020603050405020304" pitchFamily="18" charset="0"/>
-                <a:cs typeface="Times New Roman" panose="02020603050405020304" pitchFamily="18" charset="0"/>
-              </a:rPr>
-              <a:t>Об’єкти СВК створюються і існують незалежно від об’єктів зовнішнього класу</a:t>
-            </a:r>
-          </a:p>
-          <a:p>
-            <a:pPr lvl="1">
-              <a:defRPr/>
-            </a:pPr>
-            <a:endParaRPr lang="uk-UA" altLang="ru-RU" sz="2000" dirty="0">
+            <a:endParaRPr lang="ru-RU" altLang="ru-RU" dirty="0">
               <a:latin typeface="Times New Roman" panose="02020603050405020304" pitchFamily="18" charset="0"/>
               <a:cs typeface="Times New Roman" panose="02020603050405020304" pitchFamily="18" charset="0"/>
             </a:endParaRPr>
           </a:p>
           <a:p>
-            <a:pPr lvl="1">
-              <a:defRPr/>
-            </a:pPr>
-            <a:endParaRPr lang="uk-UA" altLang="ru-RU" sz="2000" dirty="0">
+            <a:pPr lvl="1"/>
+            <a:r>
+              <a:rPr lang="uk-UA" altLang="ru-RU" sz="2800" dirty="0">
+                <a:latin typeface="Times New Roman" panose="02020603050405020304" pitchFamily="18" charset="0"/>
+                <a:cs typeface="Times New Roman" panose="02020603050405020304" pitchFamily="18" charset="0"/>
+              </a:rPr>
+              <a:t>Є елементом класу</a:t>
+            </a:r>
+          </a:p>
+          <a:p>
+            <a:pPr lvl="1"/>
+            <a:r>
+              <a:rPr lang="uk-UA" altLang="ru-RU" sz="2800" dirty="0">
+                <a:latin typeface="Times New Roman" panose="02020603050405020304" pitchFamily="18" charset="0"/>
+                <a:cs typeface="Times New Roman" panose="02020603050405020304" pitchFamily="18" charset="0"/>
+              </a:rPr>
+              <a:t>Рівень доступу до внутрішнього класу визначається специфікаторами доступу</a:t>
+            </a:r>
+          </a:p>
+          <a:p>
+            <a:pPr lvl="1"/>
+            <a:r>
+              <a:rPr lang="uk-UA" altLang="ru-RU" sz="2800" dirty="0">
+                <a:latin typeface="Times New Roman" panose="02020603050405020304" pitchFamily="18" charset="0"/>
+                <a:cs typeface="Times New Roman" panose="02020603050405020304" pitchFamily="18" charset="0"/>
+              </a:rPr>
+              <a:t>Об’єкти внутрішнього класу створюються для конкретних об’єктів зовнішнього класу</a:t>
+            </a:r>
+          </a:p>
+          <a:p>
+            <a:pPr lvl="1"/>
+            <a:r>
+              <a:rPr lang="uk-UA" altLang="ru-RU" sz="2800" dirty="0">
+                <a:latin typeface="Times New Roman" panose="02020603050405020304" pitchFamily="18" charset="0"/>
+                <a:cs typeface="Times New Roman" panose="02020603050405020304" pitchFamily="18" charset="0"/>
+              </a:rPr>
+              <a:t>Внутрішній клас може звертатись до методів і полів екземпляру зовнішнього класу (прямий доступ)</a:t>
+            </a:r>
+          </a:p>
+          <a:p>
+            <a:pPr lvl="1"/>
+            <a:r>
+              <a:rPr lang="uk-UA" altLang="ru-RU" sz="2800" dirty="0">
+                <a:latin typeface="Times New Roman" panose="02020603050405020304" pitchFamily="18" charset="0"/>
+                <a:cs typeface="Times New Roman" panose="02020603050405020304" pitchFamily="18" charset="0"/>
+              </a:rPr>
+              <a:t>Внутрішній клас не може містити статичних елементів</a:t>
+            </a:r>
+            <a:r>
+              <a:rPr lang="en-US" altLang="ru-RU" sz="2800" dirty="0">
+                <a:latin typeface="Times New Roman" panose="02020603050405020304" pitchFamily="18" charset="0"/>
+                <a:cs typeface="Times New Roman" panose="02020603050405020304" pitchFamily="18" charset="0"/>
+              </a:rPr>
+              <a:t> (</a:t>
+            </a:r>
+            <a:r>
+              <a:rPr lang="uk-UA" altLang="ru-RU" sz="2800" dirty="0">
+                <a:latin typeface="Times New Roman" panose="02020603050405020304" pitchFamily="18" charset="0"/>
+                <a:cs typeface="Times New Roman" panose="02020603050405020304" pitchFamily="18" charset="0"/>
+              </a:rPr>
+              <a:t>починаючи з </a:t>
+            </a:r>
+            <a:r>
+              <a:rPr lang="en-US" altLang="ru-RU" sz="2800" dirty="0">
+                <a:latin typeface="Times New Roman" panose="02020603050405020304" pitchFamily="18" charset="0"/>
+                <a:cs typeface="Times New Roman" panose="02020603050405020304" pitchFamily="18" charset="0"/>
+              </a:rPr>
+              <a:t>Java 16 – </a:t>
+            </a:r>
+            <a:r>
+              <a:rPr lang="uk-UA" altLang="ru-RU" sz="2800" dirty="0">
+                <a:latin typeface="Times New Roman" panose="02020603050405020304" pitchFamily="18" charset="0"/>
+                <a:cs typeface="Times New Roman" panose="02020603050405020304" pitchFamily="18" charset="0"/>
+              </a:rPr>
+              <a:t>може</a:t>
+            </a:r>
+            <a:r>
+              <a:rPr lang="en-US" altLang="ru-RU" sz="2800" dirty="0">
+                <a:latin typeface="Times New Roman" panose="02020603050405020304" pitchFamily="18" charset="0"/>
+                <a:cs typeface="Times New Roman" panose="02020603050405020304" pitchFamily="18" charset="0"/>
+              </a:rPr>
+              <a:t>)</a:t>
+            </a:r>
+            <a:endParaRPr lang="uk-UA" altLang="ru-RU" sz="2800" dirty="0">
               <a:latin typeface="Times New Roman" panose="02020603050405020304" pitchFamily="18" charset="0"/>
               <a:cs typeface="Times New Roman" panose="02020603050405020304" pitchFamily="18" charset="0"/>
             </a:endParaRPr>
           </a:p>
           <a:p>
-            <a:pPr lvl="1">
-              <a:defRPr/>
-            </a:pPr>
-            <a:endParaRPr lang="uk-UA" altLang="ru-RU" sz="2000" dirty="0">
+            <a:endParaRPr lang="ru-RU" altLang="ru-RU" dirty="0">
               <a:latin typeface="Times New Roman" panose="02020603050405020304" pitchFamily="18" charset="0"/>
               <a:cs typeface="Times New Roman" panose="02020603050405020304" pitchFamily="18" charset="0"/>
             </a:endParaRPr>
           </a:p>
         </p:txBody>
       </p:sp>
-      <p:graphicFrame>
-        <p:nvGraphicFramePr>
-          <p:cNvPr id="218116" name="Объект 1"/>
-          <p:cNvGraphicFramePr>
-            <a:graphicFrameLocks noChangeAspect="1"/>
-          </p:cNvGraphicFramePr>
-          <p:nvPr/>
-        </p:nvGraphicFramePr>
-        <p:xfrm>
-          <a:off x="2998789" y="2806700"/>
-          <a:ext cx="4740275" cy="1911350"/>
-        </p:xfrm>
-        <a:graphic>
-          <a:graphicData uri="http://schemas.openxmlformats.org/presentationml/2006/ole">
-            <mc:AlternateContent xmlns:mc="http://schemas.openxmlformats.org/markup-compatibility/2006">
-              <mc:Choice xmlns:v="urn:schemas-microsoft-com:vml" Requires="v">
-                <p:oleObj spid="_x0000_s4130" name="Visio" r:id="rId3" imgW="3465771" imgH="1397716" progId="Visio.Drawing.11">
-                  <p:embed/>
-                </p:oleObj>
-              </mc:Choice>
-              <mc:Fallback>
-                <p:oleObj name="Visio" r:id="rId3" imgW="3465771" imgH="1397716" progId="Visio.Drawing.11">
-                  <p:embed/>
-                  <p:pic>
-                    <p:nvPicPr>
-                      <p:cNvPr id="218116" name="Объект 1"/>
-                      <p:cNvPicPr>
-                        <a:picLocks noChangeAspect="1" noChangeArrowheads="1"/>
-                      </p:cNvPicPr>
-                      <p:nvPr/>
-                    </p:nvPicPr>
-                    <p:blipFill>
-                      <a:blip r:embed="rId4">
-                        <a:extLst>
-                          <a:ext uri="{28A0092B-C50C-407E-A947-70E740481C1C}">
-                            <a14:useLocalDpi xmlns:a14="http://schemas.microsoft.com/office/drawing/2010/main" val="0"/>
-                          </a:ext>
-                        </a:extLst>
-                      </a:blip>
-                      <a:srcRect/>
-                      <a:stretch>
-                        <a:fillRect/>
-                      </a:stretch>
-                    </p:blipFill>
-                    <p:spPr bwMode="auto">
-                      <a:xfrm>
-                        <a:off x="2998789" y="2806700"/>
-                        <a:ext cx="4740275" cy="1911350"/>
-                      </a:xfrm>
-                      <a:prstGeom prst="rect">
-                        <a:avLst/>
-                      </a:prstGeom>
-                      <a:noFill/>
-                      <a:ln>
-                        <a:noFill/>
-                      </a:ln>
-                      <a:extLst>
-                        <a:ext uri="{909E8E84-426E-40DD-AFC4-6F175D3DCCD1}">
-                          <a14:hiddenFill xmlns:a14="http://schemas.microsoft.com/office/drawing/2010/main">
-                            <a:solidFill>
-                              <a:srgbClr val="FFFFFF"/>
-                            </a:solidFill>
-                          </a14:hiddenFill>
-                        </a:ext>
-                        <a:ext uri="{91240B29-F687-4F45-9708-019B960494DF}">
-                          <a14:hiddenLine xmlns:a14="http://schemas.microsoft.com/office/drawing/2010/main" w="9525">
-                            <a:solidFill>
-                              <a:srgbClr val="000000"/>
-                            </a:solidFill>
-                            <a:miter lim="800000"/>
-                            <a:headEnd/>
-                            <a:tailEnd/>
-                          </a14:hiddenLine>
-                        </a:ext>
-                      </a:extLst>
-                    </p:spPr>
-                  </p:pic>
-                </p:oleObj>
-              </mc:Fallback>
-            </mc:AlternateContent>
-          </a:graphicData>
-        </a:graphic>
-      </p:graphicFrame>
-      <p:graphicFrame>
-        <p:nvGraphicFramePr>
-          <p:cNvPr id="218117" name="Объект 2"/>
-          <p:cNvGraphicFramePr>
-            <a:graphicFrameLocks noChangeAspect="1"/>
-          </p:cNvGraphicFramePr>
-          <p:nvPr/>
-        </p:nvGraphicFramePr>
-        <p:xfrm>
-          <a:off x="2982913" y="4603750"/>
-          <a:ext cx="6348412" cy="2146300"/>
-        </p:xfrm>
-        <a:graphic>
-          <a:graphicData uri="http://schemas.openxmlformats.org/presentationml/2006/ole">
-            <mc:AlternateContent xmlns:mc="http://schemas.openxmlformats.org/markup-compatibility/2006">
-              <mc:Choice xmlns:v="urn:schemas-microsoft-com:vml" Requires="v">
-                <p:oleObj spid="_x0000_s4131" name="Visio" r:id="rId5" imgW="4639474" imgH="1569124" progId="Visio.Drawing.11">
-                  <p:embed/>
-                </p:oleObj>
-              </mc:Choice>
-              <mc:Fallback>
-                <p:oleObj name="Visio" r:id="rId5" imgW="4639474" imgH="1569124" progId="Visio.Drawing.11">
-                  <p:embed/>
-                  <p:pic>
-                    <p:nvPicPr>
-                      <p:cNvPr id="218117" name="Объект 2"/>
-                      <p:cNvPicPr>
-                        <a:picLocks noChangeAspect="1" noChangeArrowheads="1"/>
-                      </p:cNvPicPr>
-                      <p:nvPr/>
-                    </p:nvPicPr>
-                    <p:blipFill>
-                      <a:blip r:embed="rId6">
-                        <a:extLst>
-                          <a:ext uri="{28A0092B-C50C-407E-A947-70E740481C1C}">
-                            <a14:useLocalDpi xmlns:a14="http://schemas.microsoft.com/office/drawing/2010/main" val="0"/>
-                          </a:ext>
-                        </a:extLst>
-                      </a:blip>
-                      <a:srcRect/>
-                      <a:stretch>
-                        <a:fillRect/>
-                      </a:stretch>
-                    </p:blipFill>
-                    <p:spPr bwMode="auto">
-                      <a:xfrm>
-                        <a:off x="2982913" y="4603750"/>
-                        <a:ext cx="6348412" cy="2146300"/>
-                      </a:xfrm>
-                      <a:prstGeom prst="rect">
-                        <a:avLst/>
-                      </a:prstGeom>
-                      <a:noFill/>
-                      <a:ln>
-                        <a:noFill/>
-                      </a:ln>
-                      <a:extLst>
-                        <a:ext uri="{909E8E84-426E-40DD-AFC4-6F175D3DCCD1}">
-                          <a14:hiddenFill xmlns:a14="http://schemas.microsoft.com/office/drawing/2010/main">
-                            <a:solidFill>
-                              <a:srgbClr val="FFFFFF"/>
-                            </a:solidFill>
-                          </a14:hiddenFill>
-                        </a:ext>
-                        <a:ext uri="{91240B29-F687-4F45-9708-019B960494DF}">
-                          <a14:hiddenLine xmlns:a14="http://schemas.microsoft.com/office/drawing/2010/main" w="9525">
-                            <a:solidFill>
-                              <a:srgbClr val="000000"/>
-                            </a:solidFill>
-                            <a:miter lim="800000"/>
-                            <a:headEnd/>
-                            <a:tailEnd/>
-                          </a14:hiddenLine>
-                        </a:ext>
-                      </a:extLst>
-                    </p:spPr>
-                  </p:pic>
-                </p:oleObj>
-              </mc:Fallback>
-            </mc:AlternateContent>
-          </a:graphicData>
-        </a:graphic>
-      </p:graphicFrame>
     </p:spTree>
     <p:extLst>
       <p:ext uri="{BB962C8B-B14F-4D97-AF65-F5344CB8AC3E}">
-        <p14:creationId xmlns:p14="http://schemas.microsoft.com/office/powerpoint/2010/main" val="3617636076"/>
+        <p14:creationId xmlns:p14="http://schemas.microsoft.com/office/powerpoint/2010/main" val="2031451493"/>
       </p:ext>
     </p:extLst>
   </p:cSld>

--- a/Java Урок 16 ООП. Перерахування. Вкладені класи.pptx
+++ b/Java Урок 16 ООП. Перерахування. Вкладені класи.pptx
@@ -211,7 +211,7 @@
           <a:p>
             <a:fld id="{5C4D2F2B-D9A5-4006-8636-0D7227425F12}" type="datetimeFigureOut">
               <a:rPr lang="uk-UA" smtClean="0"/>
-              <a:t>10.01.2024</a:t>
+              <a:t>31.01.2024</a:t>
             </a:fld>
             <a:endParaRPr lang="uk-UA"/>
           </a:p>
@@ -713,7 +713,7 @@
           <a:p>
             <a:fld id="{86815C14-2D1E-4708-9F6B-065B17CFE46D}" type="datetimeFigureOut">
               <a:rPr lang="uk-UA" smtClean="0"/>
-              <a:t>10.01.2024</a:t>
+              <a:t>31.01.2024</a:t>
             </a:fld>
             <a:endParaRPr lang="uk-UA"/>
           </a:p>
@@ -913,7 +913,7 @@
           <a:p>
             <a:fld id="{86815C14-2D1E-4708-9F6B-065B17CFE46D}" type="datetimeFigureOut">
               <a:rPr lang="uk-UA" smtClean="0"/>
-              <a:t>10.01.2024</a:t>
+              <a:t>31.01.2024</a:t>
             </a:fld>
             <a:endParaRPr lang="uk-UA"/>
           </a:p>
@@ -1123,7 +1123,7 @@
           <a:p>
             <a:fld id="{86815C14-2D1E-4708-9F6B-065B17CFE46D}" type="datetimeFigureOut">
               <a:rPr lang="uk-UA" smtClean="0"/>
-              <a:t>10.01.2024</a:t>
+              <a:t>31.01.2024</a:t>
             </a:fld>
             <a:endParaRPr lang="uk-UA"/>
           </a:p>
@@ -1446,7 +1446,7 @@
           <a:p>
             <a:fld id="{86815C14-2D1E-4708-9F6B-065B17CFE46D}" type="datetimeFigureOut">
               <a:rPr lang="uk-UA" smtClean="0"/>
-              <a:t>10.01.2024</a:t>
+              <a:t>31.01.2024</a:t>
             </a:fld>
             <a:endParaRPr lang="uk-UA"/>
           </a:p>
@@ -1722,7 +1722,7 @@
           <a:p>
             <a:fld id="{86815C14-2D1E-4708-9F6B-065B17CFE46D}" type="datetimeFigureOut">
               <a:rPr lang="uk-UA" smtClean="0"/>
-              <a:t>10.01.2024</a:t>
+              <a:t>31.01.2024</a:t>
             </a:fld>
             <a:endParaRPr lang="uk-UA"/>
           </a:p>
@@ -1990,7 +1990,7 @@
           <a:p>
             <a:fld id="{86815C14-2D1E-4708-9F6B-065B17CFE46D}" type="datetimeFigureOut">
               <a:rPr lang="uk-UA" smtClean="0"/>
-              <a:t>10.01.2024</a:t>
+              <a:t>31.01.2024</a:t>
             </a:fld>
             <a:endParaRPr lang="uk-UA"/>
           </a:p>
@@ -2405,7 +2405,7 @@
           <a:p>
             <a:fld id="{86815C14-2D1E-4708-9F6B-065B17CFE46D}" type="datetimeFigureOut">
               <a:rPr lang="uk-UA" smtClean="0"/>
-              <a:t>10.01.2024</a:t>
+              <a:t>31.01.2024</a:t>
             </a:fld>
             <a:endParaRPr lang="uk-UA"/>
           </a:p>
@@ -2547,7 +2547,7 @@
           <a:p>
             <a:fld id="{86815C14-2D1E-4708-9F6B-065B17CFE46D}" type="datetimeFigureOut">
               <a:rPr lang="uk-UA" smtClean="0"/>
-              <a:t>10.01.2024</a:t>
+              <a:t>31.01.2024</a:t>
             </a:fld>
             <a:endParaRPr lang="uk-UA"/>
           </a:p>
@@ -2660,7 +2660,7 @@
           <a:p>
             <a:fld id="{86815C14-2D1E-4708-9F6B-065B17CFE46D}" type="datetimeFigureOut">
               <a:rPr lang="uk-UA" smtClean="0"/>
-              <a:t>10.01.2024</a:t>
+              <a:t>31.01.2024</a:t>
             </a:fld>
             <a:endParaRPr lang="uk-UA"/>
           </a:p>
@@ -2973,7 +2973,7 @@
           <a:p>
             <a:fld id="{86815C14-2D1E-4708-9F6B-065B17CFE46D}" type="datetimeFigureOut">
               <a:rPr lang="uk-UA" smtClean="0"/>
-              <a:t>10.01.2024</a:t>
+              <a:t>31.01.2024</a:t>
             </a:fld>
             <a:endParaRPr lang="uk-UA"/>
           </a:p>
@@ -3262,7 +3262,7 @@
           <a:p>
             <a:fld id="{86815C14-2D1E-4708-9F6B-065B17CFE46D}" type="datetimeFigureOut">
               <a:rPr lang="uk-UA" smtClean="0"/>
-              <a:t>10.01.2024</a:t>
+              <a:t>31.01.2024</a:t>
             </a:fld>
             <a:endParaRPr lang="uk-UA"/>
           </a:p>
@@ -3505,7 +3505,7 @@
           <a:p>
             <a:fld id="{86815C14-2D1E-4708-9F6B-065B17CFE46D}" type="datetimeFigureOut">
               <a:rPr lang="uk-UA" smtClean="0"/>
-              <a:t>10.01.2024</a:t>
+              <a:t>31.01.2024</a:t>
             </a:fld>
             <a:endParaRPr lang="uk-UA"/>
           </a:p>
@@ -4071,7 +4071,7 @@
           <a:graphicData uri="http://schemas.openxmlformats.org/presentationml/2006/ole">
             <mc:AlternateContent xmlns:mc="http://schemas.openxmlformats.org/markup-compatibility/2006">
               <mc:Choice xmlns:v="urn:schemas-microsoft-com:vml" Requires="v">
-                <p:oleObj spid="_x0000_s5173" name="Visio" r:id="rId3" imgW="2878919" imgH="2072550" progId="Visio.Drawing.11">
+                <p:oleObj spid="_x0000_s5176" name="Visio" r:id="rId3" imgW="2878919" imgH="2072550" progId="Visio.Drawing.11">
                   <p:embed/>
                 </p:oleObj>
               </mc:Choice>
@@ -4341,7 +4341,7 @@
           <a:graphicData uri="http://schemas.openxmlformats.org/presentationml/2006/ole">
             <mc:AlternateContent xmlns:mc="http://schemas.openxmlformats.org/markup-compatibility/2006">
               <mc:Choice xmlns:v="urn:schemas-microsoft-com:vml" Requires="v">
-                <p:oleObj spid="_x0000_s5174" name="Visio" r:id="rId5" imgW="360641" imgH="505046" progId="Visio.Drawing.11">
+                <p:oleObj spid="_x0000_s5177" name="Visio" r:id="rId5" imgW="360641" imgH="505046" progId="Visio.Drawing.11">
                   <p:embed/>
                 </p:oleObj>
               </mc:Choice>
@@ -4424,7 +4424,7 @@
           <a:graphicData uri="http://schemas.openxmlformats.org/presentationml/2006/ole">
             <mc:AlternateContent xmlns:mc="http://schemas.openxmlformats.org/markup-compatibility/2006">
               <mc:Choice xmlns:v="urn:schemas-microsoft-com:vml" Requires="v">
-                <p:oleObj spid="_x0000_s5175" name="Visio" r:id="rId7" imgW="4723425" imgH="1736753" progId="Visio.Drawing.11">
+                <p:oleObj spid="_x0000_s5178" name="Visio" r:id="rId7" imgW="4723425" imgH="1736753" progId="Visio.Drawing.11">
                   <p:embed/>
                 </p:oleObj>
               </mc:Choice>
@@ -4699,7 +4699,7 @@
           <a:graphicData uri="http://schemas.openxmlformats.org/presentationml/2006/ole">
             <mc:AlternateContent xmlns:mc="http://schemas.openxmlformats.org/markup-compatibility/2006">
               <mc:Choice xmlns:v="urn:schemas-microsoft-com:vml" Requires="v">
-                <p:oleObj spid="_x0000_s4132" name="Visio" r:id="rId3" imgW="3465771" imgH="1397716" progId="Visio.Drawing.11">
+                <p:oleObj spid="_x0000_s4134" name="Visio" r:id="rId3" imgW="3465771" imgH="1397716" progId="Visio.Drawing.11">
                   <p:embed/>
                 </p:oleObj>
               </mc:Choice>
@@ -4782,7 +4782,7 @@
           <a:graphicData uri="http://schemas.openxmlformats.org/presentationml/2006/ole">
             <mc:AlternateContent xmlns:mc="http://schemas.openxmlformats.org/markup-compatibility/2006">
               <mc:Choice xmlns:v="urn:schemas-microsoft-com:vml" Requires="v">
-                <p:oleObj spid="_x0000_s4133" name="Visio" r:id="rId5" imgW="4639474" imgH="1569124" progId="Visio.Drawing.11">
+                <p:oleObj spid="_x0000_s4135" name="Visio" r:id="rId5" imgW="4639474" imgH="1569124" progId="Visio.Drawing.11">
                   <p:embed/>
                 </p:oleObj>
               </mc:Choice>
@@ -5156,7 +5156,7 @@
           <a:graphicData uri="http://schemas.openxmlformats.org/presentationml/2006/ole">
             <mc:AlternateContent xmlns:mc="http://schemas.openxmlformats.org/markup-compatibility/2006">
               <mc:Choice xmlns:v="urn:schemas-microsoft-com:vml" Requires="v">
-                <p:oleObj spid="_x0000_s6163" name="Visio" r:id="rId3" imgW="4136574" imgH="3587687" progId="Visio.Drawing.11">
+                <p:oleObj spid="_x0000_s6164" name="Visio" r:id="rId3" imgW="4136574" imgH="3587687" progId="Visio.Drawing.11">
                   <p:embed/>
                 </p:oleObj>
               </mc:Choice>
@@ -5475,7 +5475,7 @@
           <a:graphicData uri="http://schemas.openxmlformats.org/presentationml/2006/ole">
             <mc:AlternateContent xmlns:mc="http://schemas.openxmlformats.org/markup-compatibility/2006">
               <mc:Choice xmlns:v="urn:schemas-microsoft-com:vml" Requires="v">
-                <p:oleObj spid="_x0000_s7187" name="Visio" r:id="rId3" imgW="4807107" imgH="3753156" progId="Visio.Drawing.11">
+                <p:oleObj spid="_x0000_s7188" name="Visio" r:id="rId3" imgW="4807107" imgH="3753156" progId="Visio.Drawing.11">
                   <p:embed/>
                 </p:oleObj>
               </mc:Choice>
@@ -6295,7 +6295,7 @@
           <a:graphicData uri="http://schemas.openxmlformats.org/presentationml/2006/ole">
             <mc:AlternateContent xmlns:mc="http://schemas.openxmlformats.org/markup-compatibility/2006">
               <mc:Choice xmlns:v="urn:schemas-microsoft-com:vml" Requires="v">
-                <p:oleObj spid="_x0000_s1043" name="Visio" r:id="rId3" imgW="3579956" imgH="720723" progId="Visio.Drawing.11">
+                <p:oleObj spid="_x0000_s1044" name="Visio" r:id="rId3" imgW="3579956" imgH="720723" progId="Visio.Drawing.11">
                   <p:embed/>
                 </p:oleObj>
               </mc:Choice>
@@ -6784,7 +6784,7 @@
           <a:graphicData uri="http://schemas.openxmlformats.org/presentationml/2006/ole">
             <mc:AlternateContent xmlns:mc="http://schemas.openxmlformats.org/markup-compatibility/2006">
               <mc:Choice xmlns:v="urn:schemas-microsoft-com:vml" Requires="v">
-                <p:oleObj spid="_x0000_s2084" name="Visio" r:id="rId4" imgW="5629322" imgH="3171752" progId="Visio.Drawing.11">
+                <p:oleObj spid="_x0000_s2086" name="Visio" r:id="rId4" imgW="5629322" imgH="3171752" progId="Visio.Drawing.11">
                   <p:embed/>
                 </p:oleObj>
               </mc:Choice>
@@ -7048,7 +7048,7 @@
           <a:graphicData uri="http://schemas.openxmlformats.org/presentationml/2006/ole">
             <mc:AlternateContent xmlns:mc="http://schemas.openxmlformats.org/markup-compatibility/2006">
               <mc:Choice xmlns:v="urn:schemas-microsoft-com:vml" Requires="v">
-                <p:oleObj spid="_x0000_s2085" name="Visio" r:id="rId6" imgW="4200622" imgH="447792" progId="Visio.Drawing.11">
+                <p:oleObj spid="_x0000_s2087" name="Visio" r:id="rId6" imgW="4200622" imgH="447792" progId="Visio.Drawing.11">
                   <p:embed/>
                 </p:oleObj>
               </mc:Choice>
@@ -7188,7 +7188,7 @@
           <a:graphicData uri="http://schemas.openxmlformats.org/presentationml/2006/ole">
             <mc:AlternateContent xmlns:mc="http://schemas.openxmlformats.org/markup-compatibility/2006">
               <mc:Choice xmlns:v="urn:schemas-microsoft-com:vml" Requires="v">
-                <p:oleObj spid="_x0000_s3108" name="Visio" r:id="rId3" imgW="5800699" imgH="2171726" progId="Visio.Drawing.11">
+                <p:oleObj spid="_x0000_s3110" name="Visio" r:id="rId3" imgW="5800699" imgH="2171726" progId="Visio.Drawing.11">
                   <p:embed/>
                 </p:oleObj>
               </mc:Choice>
@@ -7265,7 +7265,7 @@
           <a:graphicData uri="http://schemas.openxmlformats.org/presentationml/2006/ole">
             <mc:AlternateContent xmlns:mc="http://schemas.openxmlformats.org/markup-compatibility/2006">
               <mc:Choice xmlns:v="urn:schemas-microsoft-com:vml" Requires="v">
-                <p:oleObj spid="_x0000_s3109" name="Visio" r:id="rId5" imgW="5181722" imgH="1323924" progId="Visio.Drawing.11">
+                <p:oleObj spid="_x0000_s3111" name="Visio" r:id="rId5" imgW="5181722" imgH="1323924" progId="Visio.Drawing.11">
                   <p:embed/>
                 </p:oleObj>
               </mc:Choice>
